--- a/Material básico para github e github desktop.pptx
+++ b/Material básico para github e github desktop.pptx
@@ -11,6 +11,9 @@
     <p:sldId id="257" r:id="rId5"/>
     <p:sldId id="260" r:id="rId6"/>
     <p:sldId id="261" r:id="rId7"/>
+    <p:sldId id="262" r:id="rId8"/>
+    <p:sldId id="263" r:id="rId9"/>
+    <p:sldId id="264" r:id="rId10"/>
   </p:sldIdLst>
   <p:sldSz cx="12192000" cy="6858000"/>
   <p:notesSz cx="6858000" cy="9144000"/>
@@ -4019,6 +4022,380 @@
     <p:extLst>
       <p:ext uri="{BB962C8B-B14F-4D97-AF65-F5344CB8AC3E}">
         <p14:creationId xmlns:p14="http://schemas.microsoft.com/office/powerpoint/2010/main" val="121689296"/>
+      </p:ext>
+    </p:extLst>
+  </p:cSld>
+  <p:clrMapOvr>
+    <a:masterClrMapping/>
+  </p:clrMapOvr>
+</p:sld>
+</file>
+
+<file path=ppt/slides/slide7.xml><?xml version="1.0" encoding="utf-8"?>
+<p:sld xmlns:a="http://schemas.openxmlformats.org/drawingml/2006/main" xmlns:r="http://schemas.openxmlformats.org/officeDocument/2006/relationships" xmlns:p="http://schemas.openxmlformats.org/presentationml/2006/main">
+  <p:cSld>
+    <p:spTree>
+      <p:nvGrpSpPr>
+        <p:cNvPr id="1" name=""/>
+        <p:cNvGrpSpPr/>
+        <p:nvPr/>
+      </p:nvGrpSpPr>
+      <p:grpSpPr>
+        <a:xfrm>
+          <a:off x="0" y="0"/>
+          <a:ext cx="0" cy="0"/>
+          <a:chOff x="0" y="0"/>
+          <a:chExt cx="0" cy="0"/>
+        </a:xfrm>
+      </p:grpSpPr>
+      <p:sp>
+        <p:nvSpPr>
+          <p:cNvPr id="2" name="Título 1">
+            <a:extLst>
+              <a:ext uri="{FF2B5EF4-FFF2-40B4-BE49-F238E27FC236}">
+                <a16:creationId xmlns:a16="http://schemas.microsoft.com/office/drawing/2014/main" id="{3DCF4EEC-C2DA-82EA-9C61-8645CA1335D9}"/>
+              </a:ext>
+            </a:extLst>
+          </p:cNvPr>
+          <p:cNvSpPr>
+            <a:spLocks noGrp="1"/>
+          </p:cNvSpPr>
+          <p:nvPr>
+            <p:ph type="title"/>
+          </p:nvPr>
+        </p:nvSpPr>
+        <p:spPr/>
+        <p:txBody>
+          <a:bodyPr/>
+          <a:lstStyle/>
+          <a:p>
+            <a:r>
+              <a:rPr lang="pt-BR" dirty="0"/>
+              <a:t>Salvei a apresentação na pasta</a:t>
+            </a:r>
+          </a:p>
+        </p:txBody>
+      </p:sp>
+      <p:pic>
+        <p:nvPicPr>
+          <p:cNvPr id="5" name="Espaço Reservado para Conteúdo 4">
+            <a:extLst>
+              <a:ext uri="{FF2B5EF4-FFF2-40B4-BE49-F238E27FC236}">
+                <a16:creationId xmlns:a16="http://schemas.microsoft.com/office/drawing/2014/main" id="{A738A2FE-E601-08E5-A712-AFCFF1659120}"/>
+              </a:ext>
+            </a:extLst>
+          </p:cNvPr>
+          <p:cNvPicPr>
+            <a:picLocks noGrp="1" noChangeAspect="1"/>
+          </p:cNvPicPr>
+          <p:nvPr>
+            <p:ph idx="1"/>
+          </p:nvPr>
+        </p:nvPicPr>
+        <p:blipFill>
+          <a:blip r:embed="rId2"/>
+          <a:stretch>
+            <a:fillRect/>
+          </a:stretch>
+        </p:blipFill>
+        <p:spPr>
+          <a:xfrm>
+            <a:off x="966071" y="2086502"/>
+            <a:ext cx="10259857" cy="3829584"/>
+          </a:xfrm>
+        </p:spPr>
+      </p:pic>
+    </p:spTree>
+    <p:extLst>
+      <p:ext uri="{BB962C8B-B14F-4D97-AF65-F5344CB8AC3E}">
+        <p14:creationId xmlns:p14="http://schemas.microsoft.com/office/powerpoint/2010/main" val="2883860156"/>
+      </p:ext>
+    </p:extLst>
+  </p:cSld>
+  <p:clrMapOvr>
+    <a:masterClrMapping/>
+  </p:clrMapOvr>
+</p:sld>
+</file>
+
+<file path=ppt/slides/slide8.xml><?xml version="1.0" encoding="utf-8"?>
+<p:sld xmlns:a="http://schemas.openxmlformats.org/drawingml/2006/main" xmlns:r="http://schemas.openxmlformats.org/officeDocument/2006/relationships" xmlns:p="http://schemas.openxmlformats.org/presentationml/2006/main">
+  <p:cSld>
+    <p:spTree>
+      <p:nvGrpSpPr>
+        <p:cNvPr id="1" name=""/>
+        <p:cNvGrpSpPr/>
+        <p:nvPr/>
+      </p:nvGrpSpPr>
+      <p:grpSpPr>
+        <a:xfrm>
+          <a:off x="0" y="0"/>
+          <a:ext cx="0" cy="0"/>
+          <a:chOff x="0" y="0"/>
+          <a:chExt cx="0" cy="0"/>
+        </a:xfrm>
+      </p:grpSpPr>
+      <p:sp>
+        <p:nvSpPr>
+          <p:cNvPr id="2" name="Título 1">
+            <a:extLst>
+              <a:ext uri="{FF2B5EF4-FFF2-40B4-BE49-F238E27FC236}">
+                <a16:creationId xmlns:a16="http://schemas.microsoft.com/office/drawing/2014/main" id="{E0E0119D-BB8C-CDD0-0F48-B0DF76B4380D}"/>
+              </a:ext>
+            </a:extLst>
+          </p:cNvPr>
+          <p:cNvSpPr>
+            <a:spLocks noGrp="1"/>
+          </p:cNvSpPr>
+          <p:nvPr>
+            <p:ph type="title"/>
+          </p:nvPr>
+        </p:nvSpPr>
+        <p:spPr/>
+        <p:txBody>
+          <a:bodyPr/>
+          <a:lstStyle/>
+          <a:p>
+            <a:r>
+              <a:rPr lang="pt-BR" dirty="0"/>
+              <a:t>Ele esta sugerindo já para </a:t>
+            </a:r>
+            <a:r>
+              <a:rPr lang="pt-BR" dirty="0" err="1"/>
+              <a:t>comitar</a:t>
+            </a:r>
+            <a:r>
+              <a:rPr lang="pt-BR" dirty="0"/>
+              <a:t> no </a:t>
+            </a:r>
+            <a:r>
+              <a:rPr lang="pt-BR" dirty="0" err="1"/>
+              <a:t>github</a:t>
+            </a:r>
+            <a:r>
+              <a:rPr lang="pt-BR" dirty="0"/>
+              <a:t> desktop</a:t>
+            </a:r>
+          </a:p>
+        </p:txBody>
+      </p:sp>
+      <p:sp>
+        <p:nvSpPr>
+          <p:cNvPr id="4" name="Espaço Reservado para Texto 3">
+            <a:extLst>
+              <a:ext uri="{FF2B5EF4-FFF2-40B4-BE49-F238E27FC236}">
+                <a16:creationId xmlns:a16="http://schemas.microsoft.com/office/drawing/2014/main" id="{8FCB3E3C-4805-11A4-51A9-51A2DC3F0BFD}"/>
+              </a:ext>
+            </a:extLst>
+          </p:cNvPr>
+          <p:cNvSpPr>
+            <a:spLocks noGrp="1"/>
+          </p:cNvSpPr>
+          <p:nvPr>
+            <p:ph type="body" sz="half" idx="2"/>
+          </p:nvPr>
+        </p:nvSpPr>
+        <p:spPr/>
+        <p:txBody>
+          <a:bodyPr/>
+          <a:lstStyle/>
+          <a:p>
+            <a:r>
+              <a:rPr lang="pt-BR" dirty="0"/>
+              <a:t>Ele apareceu esses 2,um deles é o </a:t>
+            </a:r>
+            <a:r>
+              <a:rPr lang="pt-BR" dirty="0" err="1"/>
+              <a:t>ppt</a:t>
+            </a:r>
+            <a:r>
+              <a:rPr lang="pt-BR" dirty="0"/>
+              <a:t> que estou mexendo</a:t>
+            </a:r>
+          </a:p>
+          <a:p>
+            <a:r>
+              <a:rPr lang="pt-BR" dirty="0"/>
+              <a:t>Se quiser ignorar, clicar com botão direito e marcar para ignorar</a:t>
+            </a:r>
+          </a:p>
+          <a:p>
+            <a:r>
+              <a:rPr lang="pt-BR" dirty="0"/>
+              <a:t>Dar o nome do </a:t>
+            </a:r>
+            <a:r>
+              <a:rPr lang="pt-BR" dirty="0" err="1"/>
+              <a:t>commit</a:t>
+            </a:r>
+            <a:r>
+              <a:rPr lang="pt-BR" dirty="0"/>
+              <a:t> e clicar em </a:t>
+            </a:r>
+            <a:r>
+              <a:rPr lang="pt-BR" dirty="0" err="1"/>
+              <a:t>comitar</a:t>
+            </a:r>
+            <a:endParaRPr lang="pt-BR" dirty="0"/>
+          </a:p>
+        </p:txBody>
+      </p:sp>
+      <p:pic>
+        <p:nvPicPr>
+          <p:cNvPr id="9" name="Imagem 8">
+            <a:extLst>
+              <a:ext uri="{FF2B5EF4-FFF2-40B4-BE49-F238E27FC236}">
+                <a16:creationId xmlns:a16="http://schemas.microsoft.com/office/drawing/2014/main" id="{98C92B7E-F571-3D51-2D96-CE792163A291}"/>
+              </a:ext>
+            </a:extLst>
+          </p:cNvPr>
+          <p:cNvPicPr>
+            <a:picLocks noChangeAspect="1"/>
+          </p:cNvPicPr>
+          <p:nvPr/>
+        </p:nvPicPr>
+        <p:blipFill>
+          <a:blip r:embed="rId2"/>
+          <a:stretch>
+            <a:fillRect/>
+          </a:stretch>
+        </p:blipFill>
+        <p:spPr>
+          <a:xfrm>
+            <a:off x="6658952" y="509286"/>
+            <a:ext cx="2384853" cy="5839428"/>
+          </a:xfrm>
+          <a:prstGeom prst="rect">
+            <a:avLst/>
+          </a:prstGeom>
+        </p:spPr>
+      </p:pic>
+      <p:pic>
+        <p:nvPicPr>
+          <p:cNvPr id="11" name="Imagem 10">
+            <a:extLst>
+              <a:ext uri="{FF2B5EF4-FFF2-40B4-BE49-F238E27FC236}">
+                <a16:creationId xmlns:a16="http://schemas.microsoft.com/office/drawing/2014/main" id="{F1859B1A-3568-0BC3-40CC-317C7A0633C7}"/>
+              </a:ext>
+            </a:extLst>
+          </p:cNvPr>
+          <p:cNvPicPr>
+            <a:picLocks noChangeAspect="1"/>
+          </p:cNvPicPr>
+          <p:nvPr/>
+        </p:nvPicPr>
+        <p:blipFill>
+          <a:blip r:embed="rId3"/>
+          <a:stretch>
+            <a:fillRect/>
+          </a:stretch>
+        </p:blipFill>
+        <p:spPr>
+          <a:xfrm>
+            <a:off x="462987" y="4253311"/>
+            <a:ext cx="9641711" cy="1472479"/>
+          </a:xfrm>
+          <a:prstGeom prst="rect">
+            <a:avLst/>
+          </a:prstGeom>
+        </p:spPr>
+      </p:pic>
+    </p:spTree>
+    <p:extLst>
+      <p:ext uri="{BB962C8B-B14F-4D97-AF65-F5344CB8AC3E}">
+        <p14:creationId xmlns:p14="http://schemas.microsoft.com/office/powerpoint/2010/main" val="3848641665"/>
+      </p:ext>
+    </p:extLst>
+  </p:cSld>
+  <p:clrMapOvr>
+    <a:masterClrMapping/>
+  </p:clrMapOvr>
+</p:sld>
+</file>
+
+<file path=ppt/slides/slide9.xml><?xml version="1.0" encoding="utf-8"?>
+<p:sld xmlns:a="http://schemas.openxmlformats.org/drawingml/2006/main" xmlns:r="http://schemas.openxmlformats.org/officeDocument/2006/relationships" xmlns:p="http://schemas.openxmlformats.org/presentationml/2006/main">
+  <p:cSld>
+    <p:spTree>
+      <p:nvGrpSpPr>
+        <p:cNvPr id="1" name=""/>
+        <p:cNvGrpSpPr/>
+        <p:nvPr/>
+      </p:nvGrpSpPr>
+      <p:grpSpPr>
+        <a:xfrm>
+          <a:off x="0" y="0"/>
+          <a:ext cx="0" cy="0"/>
+          <a:chOff x="0" y="0"/>
+          <a:chExt cx="0" cy="0"/>
+        </a:xfrm>
+      </p:grpSpPr>
+      <p:sp>
+        <p:nvSpPr>
+          <p:cNvPr id="2" name="Título 1">
+            <a:extLst>
+              <a:ext uri="{FF2B5EF4-FFF2-40B4-BE49-F238E27FC236}">
+                <a16:creationId xmlns:a16="http://schemas.microsoft.com/office/drawing/2014/main" id="{114A2B6D-2676-9361-2C90-693D2302C3AF}"/>
+              </a:ext>
+            </a:extLst>
+          </p:cNvPr>
+          <p:cNvSpPr>
+            <a:spLocks noGrp="1"/>
+          </p:cNvSpPr>
+          <p:nvPr>
+            <p:ph type="title"/>
+          </p:nvPr>
+        </p:nvSpPr>
+        <p:spPr/>
+        <p:txBody>
+          <a:bodyPr/>
+          <a:lstStyle/>
+          <a:p>
+            <a:r>
+              <a:rPr lang="pt-BR" dirty="0"/>
+              <a:t>Dar </a:t>
+            </a:r>
+            <a:r>
+              <a:rPr lang="pt-BR" dirty="0" err="1"/>
+              <a:t>push</a:t>
+            </a:r>
+            <a:endParaRPr lang="pt-BR" dirty="0"/>
+          </a:p>
+        </p:txBody>
+      </p:sp>
+      <p:pic>
+        <p:nvPicPr>
+          <p:cNvPr id="5" name="Espaço Reservado para Conteúdo 4">
+            <a:extLst>
+              <a:ext uri="{FF2B5EF4-FFF2-40B4-BE49-F238E27FC236}">
+                <a16:creationId xmlns:a16="http://schemas.microsoft.com/office/drawing/2014/main" id="{7651953E-022D-A391-198C-AD8D987FC433}"/>
+              </a:ext>
+            </a:extLst>
+          </p:cNvPr>
+          <p:cNvPicPr>
+            <a:picLocks noGrp="1" noChangeAspect="1"/>
+          </p:cNvPicPr>
+          <p:nvPr>
+            <p:ph idx="1"/>
+          </p:nvPr>
+        </p:nvPicPr>
+        <p:blipFill>
+          <a:blip r:embed="rId2"/>
+          <a:stretch>
+            <a:fillRect/>
+          </a:stretch>
+        </p:blipFill>
+        <p:spPr>
+          <a:xfrm>
+            <a:off x="1513835" y="2977213"/>
+            <a:ext cx="9164329" cy="2048161"/>
+          </a:xfrm>
+        </p:spPr>
+      </p:pic>
+    </p:spTree>
+    <p:extLst>
+      <p:ext uri="{BB962C8B-B14F-4D97-AF65-F5344CB8AC3E}">
+        <p14:creationId xmlns:p14="http://schemas.microsoft.com/office/powerpoint/2010/main" val="3026648282"/>
       </p:ext>
     </p:extLst>
   </p:cSld>
